--- a/Presentaciones/08. Aspectos Transversales.pptx
+++ b/Presentaciones/08. Aspectos Transversales.pptx
@@ -140,7 +140,7 @@
   </p:defaultTextStyle>
   <p:extLst>
     <p:ext uri="{EFAFB233-063F-42B5-8137-9DF3F51BA10A}">
-      <p15:sldGuideLst xmlns:p15="http://schemas.microsoft.com/office/powerpoint/2012/main">
+      <p15:sldGuideLst xmlns:p15="http://schemas.microsoft.com/office/powerpoint/2012/main" xmlns="">
         <p15:guide id="1" orient="horz" pos="2160">
           <p15:clr>
             <a:srgbClr val="A4A3A4"/>
@@ -240,7 +240,7 @@
           <a:p>
             <a:fld id="{D6789F7C-BD0B-45E7-AB16-7D541E55E760}" type="datetimeFigureOut">
               <a:rPr lang="es-ES"/>
-              <a:t>12/06/2014</a:t>
+              <a:t>11/06/2015</a:t>
             </a:fld>
             <a:endParaRPr lang="es-ES"/>
           </a:p>
@@ -2635,7 +2635,7 @@
           <a:p>
             <a:fld id="{ADD61191-E84A-4E6E-8CD4-FFB2647554FB}" type="datetime1">
               <a:rPr lang="es-ES" smtClean="0"/>
-              <a:t>12/06/2014</a:t>
+              <a:t>11/06/2015</a:t>
             </a:fld>
             <a:endParaRPr lang="es-ES"/>
           </a:p>
@@ -2826,7 +2826,7 @@
           <a:p>
             <a:fld id="{2975A409-0856-4B8B-9169-E5E7E40D6B56}" type="datetime1">
               <a:rPr lang="es-ES" smtClean="0"/>
-              <a:t>12/06/2014</a:t>
+              <a:t>11/06/2015</a:t>
             </a:fld>
             <a:endParaRPr lang="es-ES"/>
           </a:p>
@@ -2987,7 +2987,7 @@
           <a:p>
             <a:fld id="{746614A8-14D9-4301-9FF8-F666F6C7FF80}" type="datetime1">
               <a:rPr lang="es-ES" smtClean="0"/>
-              <a:t>12/06/2014</a:t>
+              <a:t>11/06/2015</a:t>
             </a:fld>
             <a:endParaRPr lang="es-ES"/>
           </a:p>
@@ -4823,7 +4823,7 @@
           <a:p>
             <a:fld id="{9094D93D-9003-46BF-A62C-28CE57298559}" type="datetime1">
               <a:rPr lang="es-ES" smtClean="0"/>
-              <a:t>12/06/2014</a:t>
+              <a:t>11/06/2015</a:t>
             </a:fld>
             <a:endParaRPr lang="es-ES"/>
           </a:p>
@@ -6703,7 +6703,7 @@
           <a:p>
             <a:fld id="{A8FA6726-4608-438C-A49E-4BF6619B8CBE}" type="datetime1">
               <a:rPr lang="es-ES" smtClean="0"/>
-              <a:t>12/06/2014</a:t>
+              <a:t>11/06/2015</a:t>
             </a:fld>
             <a:endParaRPr lang="es-ES"/>
           </a:p>
@@ -6826,7 +6826,7 @@
           <a:p>
             <a:fld id="{36924875-B737-450F-91E6-3C3E38A31F03}" type="datetime1">
               <a:rPr lang="es-ES" smtClean="0"/>
-              <a:t>12/06/2014</a:t>
+              <a:t>11/06/2015</a:t>
             </a:fld>
             <a:endParaRPr lang="es-ES"/>
           </a:p>
@@ -7377,7 +7377,7 @@
           <a:p>
             <a:fld id="{814A6683-8F15-4D39-9637-791B9328E642}" type="datetime1">
               <a:rPr lang="es-ES" smtClean="0"/>
-              <a:t>12/06/2014</a:t>
+              <a:t>11/06/2015</a:t>
             </a:fld>
             <a:endParaRPr lang="es-ES"/>
           </a:p>
@@ -7500,7 +7500,7 @@
           <a:p>
             <a:fld id="{4EB4901F-4B87-49CB-8206-1574071FCD50}" type="datetime1">
               <a:rPr lang="es-ES" smtClean="0"/>
-              <a:t>12/06/2014</a:t>
+              <a:t>11/06/2015</a:t>
             </a:fld>
             <a:endParaRPr lang="es-ES"/>
           </a:p>
@@ -9221,7 +9221,7 @@
           <a:p>
             <a:fld id="{6634CB7D-4B83-4331-A1AB-A3E8AFE52A93}" type="datetime1">
               <a:rPr lang="es-ES" smtClean="0"/>
-              <a:t>12/06/2014</a:t>
+              <a:t>11/06/2015</a:t>
             </a:fld>
             <a:endParaRPr lang="es-ES"/>
           </a:p>
@@ -9382,7 +9382,7 @@
           <a:p>
             <a:fld id="{1E4E1FE2-ABC0-4016-81CF-92D8F7E0789E}" type="datetime1">
               <a:rPr lang="es-ES" smtClean="0"/>
-              <a:t>12/06/2014</a:t>
+              <a:t>11/06/2015</a:t>
             </a:fld>
             <a:endParaRPr lang="es-ES"/>
           </a:p>
@@ -13007,7 +13007,7 @@
           <a:p>
             <a:fld id="{84BBF128-D473-42EF-B3CA-606FB25F2AA5}" type="datetime1">
               <a:rPr lang="es-ES" smtClean="0"/>
-              <a:t>12/06/2014</a:t>
+              <a:t>11/06/2015</a:t>
             </a:fld>
             <a:endParaRPr lang="es-ES"/>
           </a:p>
@@ -14876,7 +14876,7 @@
           <a:p>
             <a:fld id="{6C8913B0-4FAD-4A0C-A437-E84A3F35068E}" type="datetime1">
               <a:rPr lang="es-ES" smtClean="0"/>
-              <a:t>12/06/2014</a:t>
+              <a:t>11/06/2015</a:t>
             </a:fld>
             <a:endParaRPr lang="es-ES"/>
           </a:p>
@@ -15603,7 +15603,7 @@
           <a:p>
             <a:fld id="{30C714F8-7A12-40DB-B917-40640A77E813}" type="datetime1">
               <a:rPr lang="es-ES" smtClean="0"/>
-              <a:t>12/06/2014</a:t>
+              <a:t>11/06/2015</a:t>
             </a:fld>
             <a:endParaRPr lang="es-ES"/>
           </a:p>
@@ -15922,7 +15922,7 @@
           <a:p>
             <a:fld id="{747D07E4-466E-4352-AEC2-EF134CDF7653}" type="datetime1">
               <a:rPr lang="es-ES" smtClean="0"/>
-              <a:t>12/06/2014</a:t>
+              <a:t>11/06/2015</a:t>
             </a:fld>
             <a:endParaRPr lang="es-ES"/>
           </a:p>
@@ -16202,7 +16202,7 @@
           <a:p>
             <a:fld id="{68ABE7A9-B228-4221-B230-CCDA5A82EC12}" type="datetime1">
               <a:rPr lang="es-ES" smtClean="0"/>
-              <a:t>12/06/2014</a:t>
+              <a:t>11/06/2015</a:t>
             </a:fld>
             <a:endParaRPr lang="es-ES"/>
           </a:p>
@@ -16456,7 +16456,7 @@
           <a:p>
             <a:fld id="{DBBF72B2-DED4-4B10-B71B-596C78F941D4}" type="datetime1">
               <a:rPr lang="es-ES" smtClean="0"/>
-              <a:t>12/06/2014</a:t>
+              <a:t>11/06/2015</a:t>
             </a:fld>
             <a:endParaRPr lang="es-ES"/>
           </a:p>
@@ -16704,7 +16704,7 @@
           <a:p>
             <a:fld id="{45A528D0-3F72-4B08-9956-9A9275026FB8}" type="datetime1">
               <a:rPr lang="es-ES" smtClean="0"/>
-              <a:t>12/06/2014</a:t>
+              <a:t>11/06/2015</a:t>
             </a:fld>
             <a:endParaRPr lang="es-ES"/>
           </a:p>
@@ -16887,7 +16887,7 @@
           <a:p>
             <a:fld id="{C979E382-2FF9-471D-A4D9-EEA312FA0397}" type="datetime1">
               <a:rPr lang="es-ES" smtClean="0"/>
-              <a:t>12/06/2014</a:t>
+              <a:t>11/06/2015</a:t>
             </a:fld>
             <a:endParaRPr lang="es-ES"/>
           </a:p>
@@ -17130,7 +17130,7 @@
           <a:p>
             <a:fld id="{4940B9AC-1E53-4F76-A632-B3959A1D4B6D}" type="datetime1">
               <a:rPr lang="es-ES" smtClean="0"/>
-              <a:t>12/06/2014</a:t>
+              <a:t>11/06/2015</a:t>
             </a:fld>
             <a:endParaRPr lang="es-ES"/>
           </a:p>
@@ -17367,7 +17367,7 @@
           <a:p>
             <a:fld id="{9A096CB6-812C-4C0F-9E29-E6172301389A}" type="datetime1">
               <a:rPr lang="es-ES" smtClean="0"/>
-              <a:t>12/06/2014</a:t>
+              <a:t>11/06/2015</a:t>
             </a:fld>
             <a:endParaRPr lang="es-ES"/>
           </a:p>
@@ -17504,11 +17504,7 @@
             </a:r>
             <a:r>
               <a:rPr lang="es-AR" dirty="0" smtClean="0"/>
-              <a:t>información </a:t>
-            </a:r>
-            <a:r>
-              <a:rPr lang="es-AR" dirty="0" smtClean="0"/>
-              <a:t>confidencial. </a:t>
+              <a:t>información confidencial. </a:t>
             </a:r>
             <a:r>
               <a:rPr lang="es-AR" dirty="0"/>
@@ -17532,11 +17528,7 @@
             </a:r>
             <a:r>
               <a:rPr lang="es-AR" dirty="0" smtClean="0"/>
-              <a:t>los límites de las </a:t>
-            </a:r>
-            <a:r>
-              <a:rPr lang="es-AR" dirty="0" smtClean="0"/>
-              <a:t>capas,</a:t>
+              <a:t>los límites de las capas,</a:t>
             </a:r>
             <a:r>
               <a:rPr lang="es-AR" dirty="0"/>
@@ -17736,7 +17728,7 @@
           <a:p>
             <a:fld id="{14859F5D-10FD-4517-B82F-FF5DC63B2AD3}" type="datetime1">
               <a:rPr lang="es-ES" smtClean="0"/>
-              <a:t>12/06/2014</a:t>
+              <a:t>11/06/2015</a:t>
             </a:fld>
             <a:endParaRPr lang="es-ES"/>
           </a:p>
@@ -18081,7 +18073,7 @@
           <a:p>
             <a:fld id="{3FB1A826-847E-41D7-9361-74C464C2AF08}" type="datetime1">
               <a:rPr lang="es-ES" smtClean="0"/>
-              <a:t>12/06/2014</a:t>
+              <a:t>11/06/2015</a:t>
             </a:fld>
             <a:endParaRPr lang="es-ES"/>
           </a:p>
@@ -18502,7 +18494,7 @@
           <a:p>
             <a:fld id="{80C0F6B5-73FB-4561-9C0E-BE3AAAD4065C}" type="datetime1">
               <a:rPr lang="es-ES" smtClean="0"/>
-              <a:t>12/06/2014</a:t>
+              <a:t>11/06/2015</a:t>
             </a:fld>
             <a:endParaRPr lang="es-ES"/>
           </a:p>
@@ -18819,7 +18811,7 @@
           <a:p>
             <a:fld id="{B2CE3441-6BAC-4344-80FE-F418E790E026}" type="datetime1">
               <a:rPr lang="es-ES" smtClean="0"/>
-              <a:t>12/06/2014</a:t>
+              <a:t>11/06/2015</a:t>
             </a:fld>
             <a:endParaRPr lang="es-ES"/>
           </a:p>
@@ -19053,7 +19045,7 @@
           <a:p>
             <a:fld id="{471565EB-6B06-4AD6-8436-CFB42541B22E}" type="datetime1">
               <a:rPr lang="es-ES" smtClean="0"/>
-              <a:t>12/06/2014</a:t>
+              <a:t>11/06/2015</a:t>
             </a:fld>
             <a:endParaRPr lang="es-ES"/>
           </a:p>
@@ -19254,7 +19246,7 @@
           <a:p>
             <a:fld id="{76C52F76-C66E-4057-B40F-6B4601701DB7}" type="datetime1">
               <a:rPr lang="es-ES" smtClean="0"/>
-              <a:t>12/06/2014</a:t>
+              <a:t>11/06/2015</a:t>
             </a:fld>
             <a:endParaRPr lang="es-ES"/>
           </a:p>
@@ -19557,7 +19549,7 @@
           <a:p>
             <a:fld id="{9C2623BB-FA23-4B8E-8777-4184C8D25B1D}" type="datetime1">
               <a:rPr lang="es-ES" smtClean="0"/>
-              <a:t>12/06/2014</a:t>
+              <a:t>11/06/2015</a:t>
             </a:fld>
             <a:endParaRPr lang="es-ES"/>
           </a:p>
@@ -19774,7 +19766,7 @@
           <a:p>
             <a:fld id="{33A9FCB1-BEEE-41BC-8DCA-888EB72D0902}" type="datetime1">
               <a:rPr lang="es-ES" smtClean="0"/>
-              <a:t>12/06/2014</a:t>
+              <a:t>11/06/2015</a:t>
             </a:fld>
             <a:endParaRPr lang="es-ES"/>
           </a:p>
@@ -19974,7 +19966,7 @@
           <a:p>
             <a:fld id="{C0378A14-5404-41CF-AA41-76B52178E16D}" type="datetime1">
               <a:rPr lang="es-ES" smtClean="0"/>
-              <a:t>12/06/2014</a:t>
+              <a:t>11/06/2015</a:t>
             </a:fld>
             <a:endParaRPr lang="es-ES"/>
           </a:p>
@@ -20162,7 +20154,7 @@
           <a:p>
             <a:fld id="{A5350EAC-F5FB-48AF-B1A4-076F79B0A882}" type="datetime1">
               <a:rPr lang="es-ES" smtClean="0"/>
-              <a:t>12/06/2014</a:t>
+              <a:t>11/06/2015</a:t>
             </a:fld>
             <a:endParaRPr lang="es-ES"/>
           </a:p>
@@ -20418,7 +20410,7 @@
           <a:p>
             <a:fld id="{83957794-8F9E-4875-9E02-0DD1C70AE0BE}" type="datetime1">
               <a:rPr lang="es-ES" smtClean="0"/>
-              <a:t>12/06/2014</a:t>
+              <a:t>11/06/2015</a:t>
             </a:fld>
             <a:endParaRPr lang="es-ES"/>
           </a:p>
@@ -20643,7 +20635,7 @@
           <a:p>
             <a:fld id="{F852B08B-2ABA-453C-A1AA-6A01170D5FDF}" type="datetime1">
               <a:rPr lang="es-ES" smtClean="0"/>
-              <a:t>12/06/2014</a:t>
+              <a:t>11/06/2015</a:t>
             </a:fld>
             <a:endParaRPr lang="es-ES"/>
           </a:p>
@@ -20881,7 +20873,7 @@
           <a:p>
             <a:fld id="{9E0D2F71-500E-4CFC-8FF6-AB477867A3B5}" type="datetime1">
               <a:rPr lang="es-ES" smtClean="0"/>
-              <a:t>12/06/2014</a:t>
+              <a:t>11/06/2015</a:t>
             </a:fld>
             <a:endParaRPr lang="es-ES"/>
           </a:p>
@@ -21181,7 +21173,7 @@
           <a:p>
             <a:fld id="{2DB0F107-3480-4E39-876B-B0B6A4BE96C5}" type="datetime1">
               <a:rPr lang="es-ES" smtClean="0"/>
-              <a:t>12/06/2014</a:t>
+              <a:t>11/06/2015</a:t>
             </a:fld>
             <a:endParaRPr lang="es-ES"/>
           </a:p>
@@ -21477,7 +21469,7 @@
           <a:p>
             <a:fld id="{13009BD3-E0FF-41B9-AB68-C7598D5B69BA}" type="datetime1">
               <a:rPr lang="es-ES" smtClean="0"/>
-              <a:t>12/06/2014</a:t>
+              <a:t>11/06/2015</a:t>
             </a:fld>
             <a:endParaRPr lang="es-ES"/>
           </a:p>
@@ -21734,7 +21726,7 @@
           <a:p>
             <a:fld id="{BD94575B-2A96-4896-AB81-2FA3D11568AF}" type="datetime1">
               <a:rPr lang="es-ES" smtClean="0"/>
-              <a:t>12/06/2014</a:t>
+              <a:t>11/06/2015</a:t>
             </a:fld>
             <a:endParaRPr lang="es-ES"/>
           </a:p>
@@ -21841,7 +21833,7 @@
           <a:p>
             <a:fld id="{9094D93D-9003-46BF-A62C-28CE57298559}" type="datetime1">
               <a:rPr lang="es-ES" smtClean="0"/>
-              <a:t>12/06/2014</a:t>
+              <a:t>11/06/2015</a:t>
             </a:fld>
             <a:endParaRPr lang="es-ES"/>
           </a:p>
@@ -22001,12 +21993,12 @@
               <a:t>Los </a:t>
             </a:r>
             <a:r>
-              <a:rPr lang="es-AR" dirty="0" err="1" smtClean="0"/>
-              <a:t>componontes</a:t>
-            </a:r>
-            <a:r>
               <a:rPr lang="es-AR" dirty="0" smtClean="0"/>
-              <a:t> reusables son importantes</a:t>
+              <a:t>componentes </a:t>
+            </a:r>
+            <a:r>
+              <a:rPr lang="es-AR" dirty="0" smtClean="0"/>
+              <a:t>reusables son importantes</a:t>
             </a:r>
           </a:p>
           <a:p>
@@ -22217,7 +22209,7 @@
           <a:p>
             <a:fld id="{923363A0-D9B6-4EA7-A0A5-703C27F6B4BC}" type="datetime1">
               <a:rPr lang="es-ES" smtClean="0"/>
-              <a:t>12/06/2014</a:t>
+              <a:t>11/06/2015</a:t>
             </a:fld>
             <a:endParaRPr lang="es-ES"/>
           </a:p>
@@ -22818,7 +22810,7 @@
           <a:p>
             <a:fld id="{D52C703C-ED80-49D4-977B-0CA1E1016BC5}" type="datetime1">
               <a:rPr lang="es-ES" smtClean="0"/>
-              <a:t>12/06/2014</a:t>
+              <a:t>11/06/2015</a:t>
             </a:fld>
             <a:endParaRPr lang="es-ES"/>
           </a:p>
@@ -23150,7 +23142,7 @@
           <a:p>
             <a:fld id="{C2BE8803-B078-4E46-8C3C-E16106A73221}" type="datetime1">
               <a:rPr lang="es-ES" smtClean="0"/>
-              <a:t>12/06/2014</a:t>
+              <a:t>11/06/2015</a:t>
             </a:fld>
             <a:endParaRPr lang="es-ES"/>
           </a:p>
@@ -23306,7 +23298,7 @@
           <a:p>
             <a:fld id="{7C72EEE8-388B-4768-A44F-356592F3F171}" type="datetime1">
               <a:rPr lang="es-ES" smtClean="0"/>
-              <a:t>12/06/2014</a:t>
+              <a:t>11/06/2015</a:t>
             </a:fld>
             <a:endParaRPr lang="es-ES"/>
           </a:p>
@@ -23777,7 +23769,7 @@
           <a:p>
             <a:fld id="{935151A0-7F10-423D-813A-AEA840913E49}" type="datetime1">
               <a:rPr lang="es-ES" smtClean="0"/>
-              <a:t>12/06/2014</a:t>
+              <a:t>11/06/2015</a:t>
             </a:fld>
             <a:endParaRPr lang="es-ES"/>
           </a:p>
@@ -24273,7 +24265,7 @@
           <a:p>
             <a:fld id="{A195D68C-B30D-4C12-BA46-7B95AA438B25}" type="datetime1">
               <a:rPr lang="es-ES" smtClean="0"/>
-              <a:t>12/06/2014</a:t>
+              <a:t>11/06/2015</a:t>
             </a:fld>
             <a:endParaRPr lang="es-ES"/>
           </a:p>
